--- a/FinalProject/DSC530FinalPresentationBKudaimi.pptx
+++ b/FinalProject/DSC530FinalPresentationBKudaimi.pptx
@@ -231,7 +231,7 @@
           <a:p>
             <a:fld id="{BB400FEA-1F86-4B93-A678-4B0B71B4E041}" type="datetimeFigureOut">
               <a:rPr lang="en-US" smtClean="0"/>
-              <a:t>11/21/2020</a:t>
+              <a:t>1/9/2021</a:t>
             </a:fld>
             <a:endParaRPr lang="en-US"/>
           </a:p>
@@ -1220,7 +1220,7 @@
           <a:p>
             <a:fld id="{7F3E26BA-ECB9-4D03-9C6B-F18057B6F549}" type="datetime1">
               <a:rPr lang="en-US" smtClean="0"/>
-              <a:t>11/21/2020</a:t>
+              <a:t>1/9/2021</a:t>
             </a:fld>
             <a:endParaRPr lang="en-US"/>
           </a:p>
@@ -1474,7 +1474,7 @@
           <a:p>
             <a:fld id="{BD456158-F16E-44C8-96DF-849CD2AE1C49}" type="datetime1">
               <a:rPr lang="en-US" smtClean="0"/>
-              <a:t>11/21/2020</a:t>
+              <a:t>1/9/2021</a:t>
             </a:fld>
             <a:endParaRPr lang="en-US"/>
           </a:p>
@@ -1792,7 +1792,7 @@
           <a:p>
             <a:fld id="{BD456158-F16E-44C8-96DF-849CD2AE1C49}" type="datetime1">
               <a:rPr lang="en-US" smtClean="0"/>
-              <a:t>11/21/2020</a:t>
+              <a:t>1/9/2021</a:t>
             </a:fld>
             <a:endParaRPr lang="en-US"/>
           </a:p>
@@ -2137,7 +2137,7 @@
           <a:p>
             <a:fld id="{BD456158-F16E-44C8-96DF-849CD2AE1C49}" type="datetime1">
               <a:rPr lang="en-US" smtClean="0"/>
-              <a:t>11/21/2020</a:t>
+              <a:t>1/9/2021</a:t>
             </a:fld>
             <a:endParaRPr lang="en-US"/>
           </a:p>
@@ -2455,7 +2455,7 @@
           <a:p>
             <a:fld id="{BD456158-F16E-44C8-96DF-849CD2AE1C49}" type="datetime1">
               <a:rPr lang="en-US" smtClean="0"/>
-              <a:t>11/21/2020</a:t>
+              <a:t>1/9/2021</a:t>
             </a:fld>
             <a:endParaRPr lang="en-US"/>
           </a:p>
@@ -2852,7 +2852,7 @@
           <a:p>
             <a:fld id="{BD456158-F16E-44C8-96DF-849CD2AE1C49}" type="datetime1">
               <a:rPr lang="en-US" smtClean="0"/>
-              <a:t>11/21/2020</a:t>
+              <a:t>1/9/2021</a:t>
             </a:fld>
             <a:endParaRPr lang="en-US"/>
           </a:p>
@@ -3026,7 +3026,7 @@
           <a:p>
             <a:fld id="{B6762BAE-93A1-4E36-AC0C-83A55838097C}" type="datetime1">
               <a:rPr lang="en-US" smtClean="0"/>
-              <a:t>11/21/2020</a:t>
+              <a:t>1/9/2021</a:t>
             </a:fld>
             <a:endParaRPr lang="en-US"/>
           </a:p>
@@ -3209,7 +3209,7 @@
           <a:p>
             <a:fld id="{8F10DC8A-59A3-4D9D-B03F-E6D957417B51}" type="datetime1">
               <a:rPr lang="en-US" smtClean="0"/>
-              <a:t>11/21/2020</a:t>
+              <a:t>1/9/2021</a:t>
             </a:fld>
             <a:endParaRPr lang="en-US"/>
           </a:p>
@@ -3388,7 +3388,7 @@
           <a:p>
             <a:fld id="{8EB041EE-201C-4DA2-ACFF-69A7C41B1BB3}" type="datetime1">
               <a:rPr lang="en-US" smtClean="0"/>
-              <a:t>11/21/2020</a:t>
+              <a:t>1/9/2021</a:t>
             </a:fld>
             <a:endParaRPr lang="en-US"/>
           </a:p>
@@ -3638,7 +3638,7 @@
           <a:p>
             <a:fld id="{C852A0AE-3F9F-4407-9D54-8B773F02BBD1}" type="datetime1">
               <a:rPr lang="en-US" smtClean="0"/>
-              <a:t>11/21/2020</a:t>
+              <a:t>1/9/2021</a:t>
             </a:fld>
             <a:endParaRPr lang="en-US"/>
           </a:p>
@@ -3873,7 +3873,7 @@
           <a:p>
             <a:fld id="{B2C409D8-2CA9-4578-A0A3-4D92EDB07357}" type="datetime1">
               <a:rPr lang="en-US" smtClean="0"/>
-              <a:t>11/21/2020</a:t>
+              <a:t>1/9/2021</a:t>
             </a:fld>
             <a:endParaRPr lang="en-US"/>
           </a:p>
@@ -4250,7 +4250,7 @@
           <a:p>
             <a:fld id="{C41F8BCE-4294-4BA3-BAF4-556E07481152}" type="datetime1">
               <a:rPr lang="en-US" smtClean="0"/>
-              <a:t>11/21/2020</a:t>
+              <a:t>1/9/2021</a:t>
             </a:fld>
             <a:endParaRPr lang="en-US"/>
           </a:p>
@@ -4376,7 +4376,7 @@
           <a:p>
             <a:fld id="{917DDDE1-4E7D-4CD3-977B-8D421D818860}" type="datetime1">
               <a:rPr lang="en-US" smtClean="0"/>
-              <a:t>11/21/2020</a:t>
+              <a:t>1/9/2021</a:t>
             </a:fld>
             <a:endParaRPr lang="en-US"/>
           </a:p>
@@ -4474,7 +4474,7 @@
           <a:p>
             <a:fld id="{EFDC05B7-5086-4F4F-AD1F-2EEBC5291338}" type="datetime1">
               <a:rPr lang="en-US" smtClean="0"/>
-              <a:t>11/21/2020</a:t>
+              <a:t>1/9/2021</a:t>
             </a:fld>
             <a:endParaRPr lang="en-US"/>
           </a:p>
@@ -4732,7 +4732,7 @@
           <a:p>
             <a:fld id="{D73E8DB0-C660-4CCC-BE4D-699D1D727607}" type="datetime1">
               <a:rPr lang="en-US" smtClean="0"/>
-              <a:t>11/21/2020</a:t>
+              <a:t>1/9/2021</a:t>
             </a:fld>
             <a:endParaRPr lang="en-US"/>
           </a:p>
@@ -4998,7 +4998,7 @@
           <a:p>
             <a:fld id="{D43330A1-4BC1-4468-9720-95E94EF5B945}" type="datetime1">
               <a:rPr lang="en-US" smtClean="0"/>
-              <a:t>11/21/2020</a:t>
+              <a:t>1/9/2021</a:t>
             </a:fld>
             <a:endParaRPr lang="en-US"/>
           </a:p>
@@ -5744,7 +5744,7 @@
           <a:p>
             <a:fld id="{BD456158-F16E-44C8-96DF-849CD2AE1C49}" type="datetime1">
               <a:rPr lang="en-US" smtClean="0"/>
-              <a:t>11/21/2020</a:t>
+              <a:t>1/9/2021</a:t>
             </a:fld>
             <a:endParaRPr lang="en-US"/>
           </a:p>
@@ -10581,8 +10581,13 @@
           <a:p>
             <a:r>
               <a:rPr lang="en-US" sz="2500" dirty="0"/>
-              <a:t>I have selected a few explanatory variables to run a linear regression analysis.</a:t>
-            </a:r>
+              <a:t>I have selected a few explanatory variables to run a </a:t>
+            </a:r>
+            <a:r>
+              <a:rPr lang="en-US" sz="2500"/>
+              <a:t>linear regression.</a:t>
+            </a:r>
+            <a:endParaRPr lang="en-US" sz="2500" dirty="0"/>
           </a:p>
           <a:p>
             <a:pPr marL="0" indent="0">
